--- a/Manual de Usuario.pptx
+++ b/Manual de Usuario.pptx
@@ -3895,7 +3895,7 @@
             <a:pPr algn="ctr"/>
             <a:r>
               <a:rPr lang="en-US"/>
-              <a:t>VISTA ASIGNARMATERIAS</a:t>
+              <a:t>VISTA ASIGNAMATERIAS</a:t>
             </a:r>
             <a:endParaRPr lang="en-US"/>
           </a:p>
